--- a/Report.pptx
+++ b/Report.pptx
@@ -4952,11 +4952,18 @@
               <a:t>: </a:t>
             </a:r>
             <a:r>
+              <a:rPr lang="en-US" altLang="ko-KR" sz="2000" b="0">
+                <a:effectLst/>
+                <a:latin typeface="Consolas" panose="020B0609020204030204" pitchFamily="49" charset="0"/>
+              </a:rPr>
+              <a:t>https://mingi0.</a:t>
+            </a:r>
+            <a:r>
               <a:rPr lang="en-US" altLang="ko-KR" sz="2000" b="0" dirty="0">
                 <a:effectLst/>
                 <a:latin typeface="Consolas" panose="020B0609020204030204" pitchFamily="49" charset="0"/>
               </a:rPr>
-              <a:t>https://danto7632.github.io/template/</a:t>
+              <a:t>github.io/template/</a:t>
             </a:r>
           </a:p>
         </p:txBody>
